--- a/環境CO2濃度偵測警示系統.pptx
+++ b/環境CO2濃度偵測警示系統.pptx
@@ -20154,10 +20154,10 @@
       </p:sp>
       <p:pic>
         <p:nvPicPr>
-          <p:cNvPr id="10" name="圖片 9">
+          <p:cNvPr id="3" name="圖片 2">
             <a:extLst>
               <a:ext uri="{FF2B5EF4-FFF2-40B4-BE49-F238E27FC236}">
-                <a16:creationId xmlns:a16="http://schemas.microsoft.com/office/drawing/2014/main" id="{DF29461A-0537-4926-8A07-40209199CF9D}"/>
+                <a16:creationId xmlns:a16="http://schemas.microsoft.com/office/drawing/2014/main" id="{59F32389-B555-4EB7-99EB-E7343A83DC69}"/>
               </a:ext>
             </a:extLst>
           </p:cNvPr>
@@ -20174,8 +20174,8 @@
         </p:blipFill>
         <p:spPr>
           <a:xfrm>
-            <a:off x="3735977" y="604588"/>
-            <a:ext cx="8142057" cy="5713980"/>
+            <a:off x="3518263" y="474616"/>
+            <a:ext cx="7835537" cy="5868971"/>
           </a:xfrm>
           <a:prstGeom prst="rect">
             <a:avLst/>
